--- a/PPT/μ_cos.pptx
+++ b/PPT/μ_cos.pptx
@@ -5,7 +5,7 @@
     <p:sldMasterId id="2147483648" r:id="rId1"/>
   </p:sldMasterIdLst>
   <p:notesMasterIdLst>
-    <p:notesMasterId r:id="rId28"/>
+    <p:notesMasterId r:id="rId32"/>
   </p:notesMasterIdLst>
   <p:sldIdLst>
     <p:sldId id="256" r:id="rId2"/>
@@ -34,6 +34,10 @@
     <p:sldId id="279" r:id="rId25"/>
     <p:sldId id="280" r:id="rId26"/>
     <p:sldId id="281" r:id="rId27"/>
+    <p:sldId id="282" r:id="rId28"/>
+    <p:sldId id="283" r:id="rId29"/>
+    <p:sldId id="284" r:id="rId30"/>
+    <p:sldId id="285" r:id="rId31"/>
   </p:sldIdLst>
   <p:sldSz cx="12192000" cy="6858000"/>
   <p:notesSz cx="6858000" cy="9144000"/>
@@ -222,7 +226,7 @@
           <a:p>
             <a:fld id="{FE94A037-CFE9-459E-BCE1-E9A94714561E}" type="datetimeFigureOut">
               <a:rPr lang="zh-CN" altLang="en-US" smtClean="0"/>
-              <a:t>2024/11/12</a:t>
+              <a:t>2024/11/18</a:t>
             </a:fld>
             <a:endParaRPr lang="zh-CN" altLang="en-US"/>
           </a:p>
@@ -1039,6 +1043,301 @@
 </p:notes>
 </file>
 
+<file path=ppt/notesSlides/notesSlide12.xml><?xml version="1.0" encoding="utf-8"?>
+<p:notes xmlns:a="http://schemas.openxmlformats.org/drawingml/2006/main" xmlns:r="http://schemas.openxmlformats.org/officeDocument/2006/relationships" xmlns:p="http://schemas.openxmlformats.org/presentationml/2006/main">
+  <p:cSld>
+    <p:spTree>
+      <p:nvGrpSpPr>
+        <p:cNvPr id="1" name=""/>
+        <p:cNvGrpSpPr/>
+        <p:nvPr/>
+      </p:nvGrpSpPr>
+      <p:grpSpPr>
+        <a:xfrm>
+          <a:off x="0" y="0"/>
+          <a:ext cx="0" cy="0"/>
+          <a:chOff x="0" y="0"/>
+          <a:chExt cx="0" cy="0"/>
+        </a:xfrm>
+      </p:grpSpPr>
+      <p:sp>
+        <p:nvSpPr>
+          <p:cNvPr id="2" name="幻灯片图像占位符 1"/>
+          <p:cNvSpPr>
+            <a:spLocks noGrp="1" noRot="1" noChangeAspect="1"/>
+          </p:cNvSpPr>
+          <p:nvPr>
+            <p:ph type="sldImg"/>
+          </p:nvPr>
+        </p:nvSpPr>
+        <p:spPr/>
+      </p:sp>
+      <p:sp>
+        <p:nvSpPr>
+          <p:cNvPr id="3" name="备注占位符 2"/>
+          <p:cNvSpPr>
+            <a:spLocks noGrp="1"/>
+          </p:cNvSpPr>
+          <p:nvPr>
+            <p:ph type="body" idx="1"/>
+          </p:nvPr>
+        </p:nvSpPr>
+        <p:spPr/>
+        <p:txBody>
+          <a:bodyPr/>
+          <a:lstStyle/>
+          <a:p>
+            <a:endParaRPr lang="zh-CN" altLang="en-US" dirty="0"/>
+          </a:p>
+        </p:txBody>
+      </p:sp>
+      <p:sp>
+        <p:nvSpPr>
+          <p:cNvPr id="4" name="灯片编号占位符 3"/>
+          <p:cNvSpPr>
+            <a:spLocks noGrp="1"/>
+          </p:cNvSpPr>
+          <p:nvPr>
+            <p:ph type="sldNum" sz="quarter" idx="5"/>
+          </p:nvPr>
+        </p:nvSpPr>
+        <p:spPr/>
+        <p:txBody>
+          <a:bodyPr/>
+          <a:lstStyle/>
+          <a:p>
+            <a:fld id="{7B219233-BD13-427E-8493-7C0DF9D750FB}" type="slidenum">
+              <a:rPr lang="zh-CN" altLang="en-US" smtClean="0"/>
+              <a:t>26</a:t>
+            </a:fld>
+            <a:endParaRPr lang="zh-CN" altLang="en-US"/>
+          </a:p>
+        </p:txBody>
+      </p:sp>
+    </p:spTree>
+    <p:extLst>
+      <p:ext uri="{BB962C8B-B14F-4D97-AF65-F5344CB8AC3E}">
+        <p14:creationId xmlns:p14="http://schemas.microsoft.com/office/powerpoint/2010/main" val="976474319"/>
+      </p:ext>
+    </p:extLst>
+  </p:cSld>
+  <p:clrMapOvr>
+    <a:masterClrMapping/>
+  </p:clrMapOvr>
+</p:notes>
+</file>
+
+<file path=ppt/notesSlides/notesSlide13.xml><?xml version="1.0" encoding="utf-8"?>
+<p:notes xmlns:a="http://schemas.openxmlformats.org/drawingml/2006/main" xmlns:r="http://schemas.openxmlformats.org/officeDocument/2006/relationships" xmlns:p="http://schemas.openxmlformats.org/presentationml/2006/main">
+  <p:cSld>
+    <p:spTree>
+      <p:nvGrpSpPr>
+        <p:cNvPr id="1" name=""/>
+        <p:cNvGrpSpPr/>
+        <p:nvPr/>
+      </p:nvGrpSpPr>
+      <p:grpSpPr>
+        <a:xfrm>
+          <a:off x="0" y="0"/>
+          <a:ext cx="0" cy="0"/>
+          <a:chOff x="0" y="0"/>
+          <a:chExt cx="0" cy="0"/>
+        </a:xfrm>
+      </p:grpSpPr>
+      <p:sp>
+        <p:nvSpPr>
+          <p:cNvPr id="2" name="幻灯片图像占位符 1"/>
+          <p:cNvSpPr>
+            <a:spLocks noGrp="1" noRot="1" noChangeAspect="1"/>
+          </p:cNvSpPr>
+          <p:nvPr>
+            <p:ph type="sldImg"/>
+          </p:nvPr>
+        </p:nvSpPr>
+        <p:spPr/>
+      </p:sp>
+      <p:sp>
+        <p:nvSpPr>
+          <p:cNvPr id="3" name="备注占位符 2"/>
+          <p:cNvSpPr>
+            <a:spLocks noGrp="1"/>
+          </p:cNvSpPr>
+          <p:nvPr>
+            <p:ph type="body" idx="1"/>
+          </p:nvPr>
+        </p:nvSpPr>
+        <p:spPr/>
+        <p:txBody>
+          <a:bodyPr/>
+          <a:lstStyle/>
+          <a:p>
+            <a:endParaRPr lang="zh-CN" altLang="en-US" dirty="0"/>
+          </a:p>
+        </p:txBody>
+      </p:sp>
+      <p:sp>
+        <p:nvSpPr>
+          <p:cNvPr id="4" name="灯片编号占位符 3"/>
+          <p:cNvSpPr>
+            <a:spLocks noGrp="1"/>
+          </p:cNvSpPr>
+          <p:nvPr>
+            <p:ph type="sldNum" sz="quarter" idx="5"/>
+          </p:nvPr>
+        </p:nvSpPr>
+        <p:spPr/>
+        <p:txBody>
+          <a:bodyPr/>
+          <a:lstStyle/>
+          <a:p>
+            <a:fld id="{7B219233-BD13-427E-8493-7C0DF9D750FB}" type="slidenum">
+              <a:rPr lang="zh-CN" altLang="en-US" smtClean="0"/>
+              <a:t>27</a:t>
+            </a:fld>
+            <a:endParaRPr lang="zh-CN" altLang="en-US"/>
+          </a:p>
+        </p:txBody>
+      </p:sp>
+    </p:spTree>
+    <p:extLst>
+      <p:ext uri="{BB962C8B-B14F-4D97-AF65-F5344CB8AC3E}">
+        <p14:creationId xmlns:p14="http://schemas.microsoft.com/office/powerpoint/2010/main" val="838222484"/>
+      </p:ext>
+    </p:extLst>
+  </p:cSld>
+  <p:clrMapOvr>
+    <a:masterClrMapping/>
+  </p:clrMapOvr>
+</p:notes>
+</file>
+
+<file path=ppt/notesSlides/notesSlide14.xml><?xml version="1.0" encoding="utf-8"?>
+<p:notes xmlns:a="http://schemas.openxmlformats.org/drawingml/2006/main" xmlns:r="http://schemas.openxmlformats.org/officeDocument/2006/relationships" xmlns:p="http://schemas.openxmlformats.org/presentationml/2006/main">
+  <p:cSld>
+    <p:spTree>
+      <p:nvGrpSpPr>
+        <p:cNvPr id="1" name=""/>
+        <p:cNvGrpSpPr/>
+        <p:nvPr/>
+      </p:nvGrpSpPr>
+      <p:grpSpPr>
+        <a:xfrm>
+          <a:off x="0" y="0"/>
+          <a:ext cx="0" cy="0"/>
+          <a:chOff x="0" y="0"/>
+          <a:chExt cx="0" cy="0"/>
+        </a:xfrm>
+      </p:grpSpPr>
+      <p:sp>
+        <p:nvSpPr>
+          <p:cNvPr id="2" name="幻灯片图像占位符 1"/>
+          <p:cNvSpPr>
+            <a:spLocks noGrp="1" noRot="1" noChangeAspect="1"/>
+          </p:cNvSpPr>
+          <p:nvPr>
+            <p:ph type="sldImg"/>
+          </p:nvPr>
+        </p:nvSpPr>
+        <p:spPr/>
+      </p:sp>
+      <p:sp>
+        <p:nvSpPr>
+          <p:cNvPr id="3" name="备注占位符 2"/>
+          <p:cNvSpPr>
+            <a:spLocks noGrp="1"/>
+          </p:cNvSpPr>
+          <p:nvPr>
+            <p:ph type="body" idx="1"/>
+          </p:nvPr>
+        </p:nvSpPr>
+        <p:spPr/>
+        <p:txBody>
+          <a:bodyPr/>
+          <a:lstStyle/>
+          <a:p>
+            <a:r>
+              <a:rPr lang="en-US" altLang="zh-CN" dirty="0"/>
+              <a:t>As explained above, the assertions are interpreted over </a:t>
+            </a:r>
+            <a:r>
+              <a:rPr lang="en-US" altLang="zh-CN" b="1" dirty="0"/>
+              <a:t>relational states Θ</a:t>
+            </a:r>
+            <a:r>
+              <a:rPr lang="en-US" altLang="zh-CN" dirty="0"/>
+              <a:t>, which consist of the </a:t>
+            </a:r>
+            <a:r>
+              <a:rPr lang="en-US" altLang="zh-CN" b="1" dirty="0"/>
+              <a:t>low-level task-local states σ</a:t>
+            </a:r>
+            <a:r>
+              <a:rPr lang="en-US" altLang="zh-CN" dirty="0"/>
+              <a:t>, </a:t>
+            </a:r>
+            <a:r>
+              <a:rPr lang="en-US" altLang="zh-CN" b="1" dirty="0"/>
+              <a:t>the high-level abstract states Σ</a:t>
+            </a:r>
+            <a:r>
+              <a:rPr lang="en-US" altLang="zh-CN" dirty="0"/>
+              <a:t>, and </a:t>
+            </a:r>
+            <a:r>
+              <a:rPr lang="en-US" altLang="zh-CN" b="1" dirty="0"/>
+              <a:t>the abstract statements s </a:t>
+            </a:r>
+            <a:r>
+              <a:rPr lang="en-US" altLang="zh-CN" dirty="0"/>
+              <a:t>that the low-level code needs to refine. Σ and s are defined in Fig. 10. σ, as shown in Fig. 18, consists of a task-local view m of program variables and memory, and also the global </a:t>
+            </a:r>
+            <a:r>
+              <a:rPr lang="en-US" altLang="zh-CN" dirty="0" err="1"/>
+              <a:t>isr</a:t>
+            </a:r>
+            <a:r>
+              <a:rPr lang="en-US" altLang="zh-CN" dirty="0"/>
+              <a:t> register and the task-local interrupt states δ (see Fig. 4). Here m contains the global and local variables (G and E respectively) and the memory M, whose definitions are omitted.</a:t>
+            </a:r>
+          </a:p>
+        </p:txBody>
+      </p:sp>
+      <p:sp>
+        <p:nvSpPr>
+          <p:cNvPr id="4" name="灯片编号占位符 3"/>
+          <p:cNvSpPr>
+            <a:spLocks noGrp="1"/>
+          </p:cNvSpPr>
+          <p:nvPr>
+            <p:ph type="sldNum" sz="quarter" idx="5"/>
+          </p:nvPr>
+        </p:nvSpPr>
+        <p:spPr/>
+        <p:txBody>
+          <a:bodyPr/>
+          <a:lstStyle/>
+          <a:p>
+            <a:fld id="{7B219233-BD13-427E-8493-7C0DF9D750FB}" type="slidenum">
+              <a:rPr lang="zh-CN" altLang="en-US" smtClean="0"/>
+              <a:t>28</a:t>
+            </a:fld>
+            <a:endParaRPr lang="zh-CN" altLang="en-US"/>
+          </a:p>
+        </p:txBody>
+      </p:sp>
+    </p:spTree>
+    <p:extLst>
+      <p:ext uri="{BB962C8B-B14F-4D97-AF65-F5344CB8AC3E}">
+        <p14:creationId xmlns:p14="http://schemas.microsoft.com/office/powerpoint/2010/main" val="3172084308"/>
+      </p:ext>
+    </p:extLst>
+  </p:cSld>
+  <p:clrMapOvr>
+    <a:masterClrMapping/>
+  </p:clrMapOvr>
+</p:notes>
+</file>
+
 <file path=ppt/notesSlides/notesSlide2.xml><?xml version="1.0" encoding="utf-8"?>
 <p:notes xmlns:a="http://schemas.openxmlformats.org/drawingml/2006/main" xmlns:r="http://schemas.openxmlformats.org/officeDocument/2006/relationships" xmlns:p="http://schemas.openxmlformats.org/presentationml/2006/main">
   <p:cSld>
@@ -2709,7 +3008,7 @@
           <a:p>
             <a:fld id="{C83D5982-AA41-4BB3-BD31-B5A54F605AC3}" type="datetimeFigureOut">
               <a:rPr lang="zh-CN" altLang="en-US" smtClean="0"/>
-              <a:t>2024/11/12</a:t>
+              <a:t>2024/11/18</a:t>
             </a:fld>
             <a:endParaRPr lang="zh-CN" altLang="en-US"/>
           </a:p>
@@ -2907,7 +3206,7 @@
           <a:p>
             <a:fld id="{C83D5982-AA41-4BB3-BD31-B5A54F605AC3}" type="datetimeFigureOut">
               <a:rPr lang="zh-CN" altLang="en-US" smtClean="0"/>
-              <a:t>2024/11/12</a:t>
+              <a:t>2024/11/18</a:t>
             </a:fld>
             <a:endParaRPr lang="zh-CN" altLang="en-US"/>
           </a:p>
@@ -3115,7 +3414,7 @@
           <a:p>
             <a:fld id="{C83D5982-AA41-4BB3-BD31-B5A54F605AC3}" type="datetimeFigureOut">
               <a:rPr lang="zh-CN" altLang="en-US" smtClean="0"/>
-              <a:t>2024/11/12</a:t>
+              <a:t>2024/11/18</a:t>
             </a:fld>
             <a:endParaRPr lang="zh-CN" altLang="en-US"/>
           </a:p>
@@ -3313,7 +3612,7 @@
           <a:p>
             <a:fld id="{C83D5982-AA41-4BB3-BD31-B5A54F605AC3}" type="datetimeFigureOut">
               <a:rPr lang="zh-CN" altLang="en-US" smtClean="0"/>
-              <a:t>2024/11/12</a:t>
+              <a:t>2024/11/18</a:t>
             </a:fld>
             <a:endParaRPr lang="zh-CN" altLang="en-US"/>
           </a:p>
@@ -3588,7 +3887,7 @@
           <a:p>
             <a:fld id="{C83D5982-AA41-4BB3-BD31-B5A54F605AC3}" type="datetimeFigureOut">
               <a:rPr lang="zh-CN" altLang="en-US" smtClean="0"/>
-              <a:t>2024/11/12</a:t>
+              <a:t>2024/11/18</a:t>
             </a:fld>
             <a:endParaRPr lang="zh-CN" altLang="en-US"/>
           </a:p>
@@ -3853,7 +4152,7 @@
           <a:p>
             <a:fld id="{C83D5982-AA41-4BB3-BD31-B5A54F605AC3}" type="datetimeFigureOut">
               <a:rPr lang="zh-CN" altLang="en-US" smtClean="0"/>
-              <a:t>2024/11/12</a:t>
+              <a:t>2024/11/18</a:t>
             </a:fld>
             <a:endParaRPr lang="zh-CN" altLang="en-US"/>
           </a:p>
@@ -4265,7 +4564,7 @@
           <a:p>
             <a:fld id="{C83D5982-AA41-4BB3-BD31-B5A54F605AC3}" type="datetimeFigureOut">
               <a:rPr lang="zh-CN" altLang="en-US" smtClean="0"/>
-              <a:t>2024/11/12</a:t>
+              <a:t>2024/11/18</a:t>
             </a:fld>
             <a:endParaRPr lang="zh-CN" altLang="en-US"/>
           </a:p>
@@ -4406,7 +4705,7 @@
           <a:p>
             <a:fld id="{C83D5982-AA41-4BB3-BD31-B5A54F605AC3}" type="datetimeFigureOut">
               <a:rPr lang="zh-CN" altLang="en-US" smtClean="0"/>
-              <a:t>2024/11/12</a:t>
+              <a:t>2024/11/18</a:t>
             </a:fld>
             <a:endParaRPr lang="zh-CN" altLang="en-US"/>
           </a:p>
@@ -4519,7 +4818,7 @@
           <a:p>
             <a:fld id="{C83D5982-AA41-4BB3-BD31-B5A54F605AC3}" type="datetimeFigureOut">
               <a:rPr lang="zh-CN" altLang="en-US" smtClean="0"/>
-              <a:t>2024/11/12</a:t>
+              <a:t>2024/11/18</a:t>
             </a:fld>
             <a:endParaRPr lang="zh-CN" altLang="en-US"/>
           </a:p>
@@ -4830,7 +5129,7 @@
           <a:p>
             <a:fld id="{C83D5982-AA41-4BB3-BD31-B5A54F605AC3}" type="datetimeFigureOut">
               <a:rPr lang="zh-CN" altLang="en-US" smtClean="0"/>
-              <a:t>2024/11/12</a:t>
+              <a:t>2024/11/18</a:t>
             </a:fld>
             <a:endParaRPr lang="zh-CN" altLang="en-US"/>
           </a:p>
@@ -5118,7 +5417,7 @@
           <a:p>
             <a:fld id="{C83D5982-AA41-4BB3-BD31-B5A54F605AC3}" type="datetimeFigureOut">
               <a:rPr lang="zh-CN" altLang="en-US" smtClean="0"/>
-              <a:t>2024/11/12</a:t>
+              <a:t>2024/11/18</a:t>
             </a:fld>
             <a:endParaRPr lang="zh-CN" altLang="en-US"/>
           </a:p>
@@ -5359,7 +5658,7 @@
           <a:p>
             <a:fld id="{C83D5982-AA41-4BB3-BD31-B5A54F605AC3}" type="datetimeFigureOut">
               <a:rPr lang="zh-CN" altLang="en-US" smtClean="0"/>
-              <a:t>2024/11/12</a:t>
+              <a:t>2024/11/18</a:t>
             </a:fld>
             <a:endParaRPr lang="zh-CN" altLang="en-US"/>
           </a:p>
@@ -9445,7 +9744,7 @@
           <p:nvPr/>
         </p:nvPicPr>
         <p:blipFill>
-          <a:blip r:embed="rId2"/>
+          <a:blip r:embed="rId3"/>
           <a:stretch>
             <a:fillRect/>
           </a:stretch>
@@ -9460,10 +9759,445 @@
           </a:prstGeom>
         </p:spPr>
       </p:pic>
+      <p:pic>
+        <p:nvPicPr>
+          <p:cNvPr id="5" name="图片 4">
+            <a:extLst>
+              <a:ext uri="{FF2B5EF4-FFF2-40B4-BE49-F238E27FC236}">
+                <a16:creationId xmlns:a16="http://schemas.microsoft.com/office/drawing/2014/main" id="{4576F2F9-982B-5FE0-497E-EEA3F2C270FC}"/>
+              </a:ext>
+            </a:extLst>
+          </p:cNvPr>
+          <p:cNvPicPr>
+            <a:picLocks noChangeAspect="1"/>
+          </p:cNvPicPr>
+          <p:nvPr/>
+        </p:nvPicPr>
+        <p:blipFill>
+          <a:blip r:embed="rId4"/>
+          <a:stretch>
+            <a:fillRect/>
+          </a:stretch>
+        </p:blipFill>
+        <p:spPr>
+          <a:xfrm>
+            <a:off x="1187823" y="4446803"/>
+            <a:ext cx="9018494" cy="2203746"/>
+          </a:xfrm>
+          <a:prstGeom prst="rect">
+            <a:avLst/>
+          </a:prstGeom>
+        </p:spPr>
+      </p:pic>
     </p:spTree>
     <p:extLst>
       <p:ext uri="{BB962C8B-B14F-4D97-AF65-F5344CB8AC3E}">
         <p14:creationId xmlns:p14="http://schemas.microsoft.com/office/powerpoint/2010/main" val="958057811"/>
+      </p:ext>
+    </p:extLst>
+  </p:cSld>
+  <p:clrMapOvr>
+    <a:masterClrMapping/>
+  </p:clrMapOvr>
+</p:sld>
+</file>
+
+<file path=ppt/slides/slide27.xml><?xml version="1.0" encoding="utf-8"?>
+<p:sld xmlns:a="http://schemas.openxmlformats.org/drawingml/2006/main" xmlns:r="http://schemas.openxmlformats.org/officeDocument/2006/relationships" xmlns:p="http://schemas.openxmlformats.org/presentationml/2006/main">
+  <p:cSld>
+    <p:spTree>
+      <p:nvGrpSpPr>
+        <p:cNvPr id="1" name=""/>
+        <p:cNvGrpSpPr/>
+        <p:nvPr/>
+      </p:nvGrpSpPr>
+      <p:grpSpPr>
+        <a:xfrm>
+          <a:off x="0" y="0"/>
+          <a:ext cx="0" cy="0"/>
+          <a:chOff x="0" y="0"/>
+          <a:chExt cx="0" cy="0"/>
+        </a:xfrm>
+      </p:grpSpPr>
+      <p:sp>
+        <p:nvSpPr>
+          <p:cNvPr id="2" name="标题 1">
+            <a:extLst>
+              <a:ext uri="{FF2B5EF4-FFF2-40B4-BE49-F238E27FC236}">
+                <a16:creationId xmlns:a16="http://schemas.microsoft.com/office/drawing/2014/main" id="{682B4120-F841-FD40-403B-76317E6A8F88}"/>
+              </a:ext>
+            </a:extLst>
+          </p:cNvPr>
+          <p:cNvSpPr>
+            <a:spLocks noGrp="1"/>
+          </p:cNvSpPr>
+          <p:nvPr>
+            <p:ph type="title"/>
+          </p:nvPr>
+        </p:nvSpPr>
+        <p:spPr/>
+        <p:txBody>
+          <a:bodyPr/>
+          <a:lstStyle/>
+          <a:p>
+            <a:r>
+              <a:rPr lang="en-US" altLang="zh-CN" dirty="0"/>
+              <a:t>Modeling of the Kernel</a:t>
+            </a:r>
+            <a:endParaRPr lang="zh-CN" altLang="en-US" dirty="0"/>
+          </a:p>
+        </p:txBody>
+      </p:sp>
+      <p:sp>
+        <p:nvSpPr>
+          <p:cNvPr id="3" name="内容占位符 2">
+            <a:extLst>
+              <a:ext uri="{FF2B5EF4-FFF2-40B4-BE49-F238E27FC236}">
+                <a16:creationId xmlns:a16="http://schemas.microsoft.com/office/drawing/2014/main" id="{1A5BDC81-2886-86AF-B99C-8A6111B17E35}"/>
+              </a:ext>
+            </a:extLst>
+          </p:cNvPr>
+          <p:cNvSpPr>
+            <a:spLocks noGrp="1"/>
+          </p:cNvSpPr>
+          <p:nvPr>
+            <p:ph idx="1"/>
+          </p:nvPr>
+        </p:nvSpPr>
+        <p:spPr/>
+        <p:txBody>
+          <a:bodyPr/>
+          <a:lstStyle/>
+          <a:p>
+            <a:r>
+              <a:rPr lang="en-US" altLang="zh-CN" dirty="0"/>
+              <a:t>Event trace refinement for OS correctness</a:t>
+            </a:r>
+            <a:endParaRPr lang="zh-CN" altLang="en-US" dirty="0"/>
+          </a:p>
+        </p:txBody>
+      </p:sp>
+      <p:pic>
+        <p:nvPicPr>
+          <p:cNvPr id="5" name="图片 4">
+            <a:extLst>
+              <a:ext uri="{FF2B5EF4-FFF2-40B4-BE49-F238E27FC236}">
+                <a16:creationId xmlns:a16="http://schemas.microsoft.com/office/drawing/2014/main" id="{15704E2D-5920-0B17-B657-C68F10363FF6}"/>
+              </a:ext>
+            </a:extLst>
+          </p:cNvPr>
+          <p:cNvPicPr>
+            <a:picLocks noChangeAspect="1"/>
+          </p:cNvPicPr>
+          <p:nvPr/>
+        </p:nvPicPr>
+        <p:blipFill>
+          <a:blip r:embed="rId3">
+            <a:extLst>
+              <a:ext uri="{28A0092B-C50C-407E-A947-70E740481C1C}">
+                <a14:useLocalDpi xmlns:a14="http://schemas.microsoft.com/office/drawing/2010/main" val="0"/>
+              </a:ext>
+            </a:extLst>
+          </a:blip>
+          <a:stretch>
+            <a:fillRect/>
+          </a:stretch>
+        </p:blipFill>
+        <p:spPr>
+          <a:xfrm>
+            <a:off x="2135837" y="2503567"/>
+            <a:ext cx="7920326" cy="4267213"/>
+          </a:xfrm>
+          <a:prstGeom prst="rect">
+            <a:avLst/>
+          </a:prstGeom>
+        </p:spPr>
+      </p:pic>
+    </p:spTree>
+    <p:extLst>
+      <p:ext uri="{BB962C8B-B14F-4D97-AF65-F5344CB8AC3E}">
+        <p14:creationId xmlns:p14="http://schemas.microsoft.com/office/powerpoint/2010/main" val="2326437768"/>
+      </p:ext>
+    </p:extLst>
+  </p:cSld>
+  <p:clrMapOvr>
+    <a:masterClrMapping/>
+  </p:clrMapOvr>
+</p:sld>
+</file>
+
+<file path=ppt/slides/slide28.xml><?xml version="1.0" encoding="utf-8"?>
+<p:sld xmlns:a="http://schemas.openxmlformats.org/drawingml/2006/main" xmlns:r="http://schemas.openxmlformats.org/officeDocument/2006/relationships" xmlns:p="http://schemas.openxmlformats.org/presentationml/2006/main">
+  <p:cSld>
+    <p:spTree>
+      <p:nvGrpSpPr>
+        <p:cNvPr id="1" name=""/>
+        <p:cNvGrpSpPr/>
+        <p:nvPr/>
+      </p:nvGrpSpPr>
+      <p:grpSpPr>
+        <a:xfrm>
+          <a:off x="0" y="0"/>
+          <a:ext cx="0" cy="0"/>
+          <a:chOff x="0" y="0"/>
+          <a:chExt cx="0" cy="0"/>
+        </a:xfrm>
+      </p:grpSpPr>
+      <p:sp>
+        <p:nvSpPr>
+          <p:cNvPr id="2" name="标题 1">
+            <a:extLst>
+              <a:ext uri="{FF2B5EF4-FFF2-40B4-BE49-F238E27FC236}">
+                <a16:creationId xmlns:a16="http://schemas.microsoft.com/office/drawing/2014/main" id="{55BD9AF6-5E43-CA70-6802-F7FA9607A3B1}"/>
+              </a:ext>
+            </a:extLst>
+          </p:cNvPr>
+          <p:cNvSpPr>
+            <a:spLocks noGrp="1"/>
+          </p:cNvSpPr>
+          <p:nvPr>
+            <p:ph type="title"/>
+          </p:nvPr>
+        </p:nvSpPr>
+        <p:spPr/>
+        <p:txBody>
+          <a:bodyPr/>
+          <a:lstStyle/>
+          <a:p>
+            <a:r>
+              <a:rPr lang="en-US" altLang="zh-CN" dirty="0"/>
+              <a:t>Relational Program Logic for Refinement Verification</a:t>
+            </a:r>
+            <a:endParaRPr lang="zh-CN" altLang="en-US" dirty="0"/>
+          </a:p>
+        </p:txBody>
+      </p:sp>
+      <p:sp>
+        <p:nvSpPr>
+          <p:cNvPr id="3" name="内容占位符 2">
+            <a:extLst>
+              <a:ext uri="{FF2B5EF4-FFF2-40B4-BE49-F238E27FC236}">
+                <a16:creationId xmlns:a16="http://schemas.microsoft.com/office/drawing/2014/main" id="{55C3061B-731E-D822-83F2-F0932B356083}"/>
+              </a:ext>
+            </a:extLst>
+          </p:cNvPr>
+          <p:cNvSpPr>
+            <a:spLocks noGrp="1"/>
+          </p:cNvSpPr>
+          <p:nvPr>
+            <p:ph idx="1"/>
+          </p:nvPr>
+        </p:nvSpPr>
+        <p:spPr/>
+        <p:txBody>
+          <a:bodyPr/>
+          <a:lstStyle/>
+          <a:p>
+            <a:r>
+              <a:rPr lang="en-US" altLang="zh-CN" dirty="0"/>
+              <a:t>Relational Assertion Language</a:t>
+            </a:r>
+          </a:p>
+          <a:p>
+            <a:pPr lvl="1"/>
+            <a:endParaRPr lang="zh-CN" altLang="en-US" dirty="0"/>
+          </a:p>
+        </p:txBody>
+      </p:sp>
+      <p:pic>
+        <p:nvPicPr>
+          <p:cNvPr id="5" name="图片 4">
+            <a:extLst>
+              <a:ext uri="{FF2B5EF4-FFF2-40B4-BE49-F238E27FC236}">
+                <a16:creationId xmlns:a16="http://schemas.microsoft.com/office/drawing/2014/main" id="{02854F3D-3951-670F-45DA-C8F857D6EFFF}"/>
+              </a:ext>
+            </a:extLst>
+          </p:cNvPr>
+          <p:cNvPicPr>
+            <a:picLocks noChangeAspect="1"/>
+          </p:cNvPicPr>
+          <p:nvPr/>
+        </p:nvPicPr>
+        <p:blipFill>
+          <a:blip r:embed="rId3">
+            <a:extLst>
+              <a:ext uri="{28A0092B-C50C-407E-A947-70E740481C1C}">
+                <a14:useLocalDpi xmlns:a14="http://schemas.microsoft.com/office/drawing/2010/main" val="0"/>
+              </a:ext>
+            </a:extLst>
+          </a:blip>
+          <a:stretch>
+            <a:fillRect/>
+          </a:stretch>
+        </p:blipFill>
+        <p:spPr>
+          <a:xfrm>
+            <a:off x="413340" y="2528384"/>
+            <a:ext cx="5522294" cy="1209898"/>
+          </a:xfrm>
+          <a:prstGeom prst="rect">
+            <a:avLst/>
+          </a:prstGeom>
+        </p:spPr>
+      </p:pic>
+      <p:pic>
+        <p:nvPicPr>
+          <p:cNvPr id="7" name="图片 6">
+            <a:extLst>
+              <a:ext uri="{FF2B5EF4-FFF2-40B4-BE49-F238E27FC236}">
+                <a16:creationId xmlns:a16="http://schemas.microsoft.com/office/drawing/2014/main" id="{AE4013DA-F1ED-740A-D4B5-59BF9A2BED00}"/>
+              </a:ext>
+            </a:extLst>
+          </p:cNvPr>
+          <p:cNvPicPr>
+            <a:picLocks noChangeAspect="1"/>
+          </p:cNvPicPr>
+          <p:nvPr/>
+        </p:nvPicPr>
+        <p:blipFill>
+          <a:blip r:embed="rId4">
+            <a:extLst>
+              <a:ext uri="{28A0092B-C50C-407E-A947-70E740481C1C}">
+                <a14:useLocalDpi xmlns:a14="http://schemas.microsoft.com/office/drawing/2010/main" val="0"/>
+              </a:ext>
+            </a:extLst>
+          </a:blip>
+          <a:stretch>
+            <a:fillRect/>
+          </a:stretch>
+        </p:blipFill>
+        <p:spPr>
+          <a:xfrm>
+            <a:off x="5935634" y="2433422"/>
+            <a:ext cx="6121896" cy="4264921"/>
+          </a:xfrm>
+          <a:prstGeom prst="rect">
+            <a:avLst/>
+          </a:prstGeom>
+        </p:spPr>
+      </p:pic>
+    </p:spTree>
+    <p:extLst>
+      <p:ext uri="{BB962C8B-B14F-4D97-AF65-F5344CB8AC3E}">
+        <p14:creationId xmlns:p14="http://schemas.microsoft.com/office/powerpoint/2010/main" val="2565085780"/>
+      </p:ext>
+    </p:extLst>
+  </p:cSld>
+  <p:clrMapOvr>
+    <a:masterClrMapping/>
+  </p:clrMapOvr>
+</p:sld>
+</file>
+
+<file path=ppt/slides/slide29.xml><?xml version="1.0" encoding="utf-8"?>
+<p:sld xmlns:a="http://schemas.openxmlformats.org/drawingml/2006/main" xmlns:r="http://schemas.openxmlformats.org/officeDocument/2006/relationships" xmlns:p="http://schemas.openxmlformats.org/presentationml/2006/main">
+  <p:cSld>
+    <p:spTree>
+      <p:nvGrpSpPr>
+        <p:cNvPr id="1" name=""/>
+        <p:cNvGrpSpPr/>
+        <p:nvPr/>
+      </p:nvGrpSpPr>
+      <p:grpSpPr>
+        <a:xfrm>
+          <a:off x="0" y="0"/>
+          <a:ext cx="0" cy="0"/>
+          <a:chOff x="0" y="0"/>
+          <a:chExt cx="0" cy="0"/>
+        </a:xfrm>
+      </p:grpSpPr>
+      <p:sp>
+        <p:nvSpPr>
+          <p:cNvPr id="2" name="标题 1">
+            <a:extLst>
+              <a:ext uri="{FF2B5EF4-FFF2-40B4-BE49-F238E27FC236}">
+                <a16:creationId xmlns:a16="http://schemas.microsoft.com/office/drawing/2014/main" id="{873BA871-40B3-02EC-4227-6A128FFE69B8}"/>
+              </a:ext>
+            </a:extLst>
+          </p:cNvPr>
+          <p:cNvSpPr>
+            <a:spLocks noGrp="1"/>
+          </p:cNvSpPr>
+          <p:nvPr>
+            <p:ph type="title"/>
+          </p:nvPr>
+        </p:nvSpPr>
+        <p:spPr/>
+        <p:txBody>
+          <a:bodyPr/>
+          <a:lstStyle/>
+          <a:p>
+            <a:r>
+              <a:rPr lang="en-US" altLang="zh-CN" dirty="0"/>
+              <a:t>Relational Program Logic for Refinement Verification</a:t>
+            </a:r>
+            <a:endParaRPr lang="zh-CN" altLang="en-US" dirty="0"/>
+          </a:p>
+        </p:txBody>
+      </p:sp>
+      <p:sp>
+        <p:nvSpPr>
+          <p:cNvPr id="3" name="内容占位符 2">
+            <a:extLst>
+              <a:ext uri="{FF2B5EF4-FFF2-40B4-BE49-F238E27FC236}">
+                <a16:creationId xmlns:a16="http://schemas.microsoft.com/office/drawing/2014/main" id="{1FF6A00F-1A58-5FB5-FCF2-9C7037E28D27}"/>
+              </a:ext>
+            </a:extLst>
+          </p:cNvPr>
+          <p:cNvSpPr>
+            <a:spLocks noGrp="1"/>
+          </p:cNvSpPr>
+          <p:nvPr>
+            <p:ph idx="1"/>
+          </p:nvPr>
+        </p:nvSpPr>
+        <p:spPr/>
+        <p:txBody>
+          <a:bodyPr/>
+          <a:lstStyle/>
+          <a:p>
+            <a:r>
+              <a:rPr lang="en-US" altLang="zh-CN" dirty="0"/>
+              <a:t>Ownership-transfer semantics for multi-level interrupts</a:t>
+            </a:r>
+            <a:endParaRPr lang="zh-CN" altLang="en-US" dirty="0"/>
+          </a:p>
+        </p:txBody>
+      </p:sp>
+      <p:pic>
+        <p:nvPicPr>
+          <p:cNvPr id="4" name="图片 3">
+            <a:extLst>
+              <a:ext uri="{FF2B5EF4-FFF2-40B4-BE49-F238E27FC236}">
+                <a16:creationId xmlns:a16="http://schemas.microsoft.com/office/drawing/2014/main" id="{D84A3409-F9BA-2A45-28B5-7205B73203F9}"/>
+              </a:ext>
+            </a:extLst>
+          </p:cNvPr>
+          <p:cNvPicPr>
+            <a:picLocks noChangeAspect="1"/>
+          </p:cNvPicPr>
+          <p:nvPr/>
+        </p:nvPicPr>
+        <p:blipFill>
+          <a:blip r:embed="rId2"/>
+          <a:stretch>
+            <a:fillRect/>
+          </a:stretch>
+        </p:blipFill>
+        <p:spPr>
+          <a:xfrm>
+            <a:off x="1156446" y="2536117"/>
+            <a:ext cx="9476809" cy="3640845"/>
+          </a:xfrm>
+          <a:prstGeom prst="rect">
+            <a:avLst/>
+          </a:prstGeom>
+        </p:spPr>
+      </p:pic>
+    </p:spTree>
+    <p:extLst>
+      <p:ext uri="{BB962C8B-B14F-4D97-AF65-F5344CB8AC3E}">
+        <p14:creationId xmlns:p14="http://schemas.microsoft.com/office/powerpoint/2010/main" val="3630436278"/>
       </p:ext>
     </p:extLst>
   </p:cSld>
@@ -9639,6 +10373,94 @@
     <p:extLst>
       <p:ext uri="{BB962C8B-B14F-4D97-AF65-F5344CB8AC3E}">
         <p14:creationId xmlns:p14="http://schemas.microsoft.com/office/powerpoint/2010/main" val="3533136596"/>
+      </p:ext>
+    </p:extLst>
+  </p:cSld>
+  <p:clrMapOvr>
+    <a:masterClrMapping/>
+  </p:clrMapOvr>
+</p:sld>
+</file>
+
+<file path=ppt/slides/slide30.xml><?xml version="1.0" encoding="utf-8"?>
+<p:sld xmlns:a="http://schemas.openxmlformats.org/drawingml/2006/main" xmlns:r="http://schemas.openxmlformats.org/officeDocument/2006/relationships" xmlns:p="http://schemas.openxmlformats.org/presentationml/2006/main">
+  <p:cSld>
+    <p:spTree>
+      <p:nvGrpSpPr>
+        <p:cNvPr id="1" name=""/>
+        <p:cNvGrpSpPr/>
+        <p:nvPr/>
+      </p:nvGrpSpPr>
+      <p:grpSpPr>
+        <a:xfrm>
+          <a:off x="0" y="0"/>
+          <a:ext cx="0" cy="0"/>
+          <a:chOff x="0" y="0"/>
+          <a:chExt cx="0" cy="0"/>
+        </a:xfrm>
+      </p:grpSpPr>
+      <p:sp>
+        <p:nvSpPr>
+          <p:cNvPr id="2" name="标题 1">
+            <a:extLst>
+              <a:ext uri="{FF2B5EF4-FFF2-40B4-BE49-F238E27FC236}">
+                <a16:creationId xmlns:a16="http://schemas.microsoft.com/office/drawing/2014/main" id="{C8DD3A42-AABD-F138-A523-56E4A38F6A42}"/>
+              </a:ext>
+            </a:extLst>
+          </p:cNvPr>
+          <p:cNvSpPr>
+            <a:spLocks noGrp="1"/>
+          </p:cNvSpPr>
+          <p:nvPr>
+            <p:ph type="title"/>
+          </p:nvPr>
+        </p:nvSpPr>
+        <p:spPr/>
+        <p:txBody>
+          <a:bodyPr/>
+          <a:lstStyle/>
+          <a:p>
+            <a:r>
+              <a:rPr lang="en-US" altLang="zh-CN" dirty="0"/>
+              <a:t>Relational Program Logic for Refinement Verification</a:t>
+            </a:r>
+            <a:endParaRPr lang="zh-CN" altLang="en-US" dirty="0"/>
+          </a:p>
+        </p:txBody>
+      </p:sp>
+      <p:sp>
+        <p:nvSpPr>
+          <p:cNvPr id="3" name="内容占位符 2">
+            <a:extLst>
+              <a:ext uri="{FF2B5EF4-FFF2-40B4-BE49-F238E27FC236}">
+                <a16:creationId xmlns:a16="http://schemas.microsoft.com/office/drawing/2014/main" id="{C71FEAF2-AD5B-646C-CEB8-C631C3A60642}"/>
+              </a:ext>
+            </a:extLst>
+          </p:cNvPr>
+          <p:cNvSpPr>
+            <a:spLocks noGrp="1"/>
+          </p:cNvSpPr>
+          <p:nvPr>
+            <p:ph idx="1"/>
+          </p:nvPr>
+        </p:nvSpPr>
+        <p:spPr/>
+        <p:txBody>
+          <a:bodyPr/>
+          <a:lstStyle/>
+          <a:p>
+            <a:r>
+              <a:rPr lang="en-US" altLang="zh-CN" dirty="0"/>
+              <a:t> Inference Rules</a:t>
+            </a:r>
+            <a:endParaRPr lang="zh-CN" altLang="en-US" dirty="0"/>
+          </a:p>
+        </p:txBody>
+      </p:sp>
+    </p:spTree>
+    <p:extLst>
+      <p:ext uri="{BB962C8B-B14F-4D97-AF65-F5344CB8AC3E}">
+        <p14:creationId xmlns:p14="http://schemas.microsoft.com/office/powerpoint/2010/main" val="1555040924"/>
       </p:ext>
     </p:extLst>
   </p:cSld>
